--- a/1. Installation & CRUD/Laravel Virtual Training.pptx
+++ b/1. Installation & CRUD/Laravel Virtual Training.pptx
@@ -225,7 +225,7 @@
             <a:fld id="{0DF9046C-84B7-4047-BA2E-B0333C727CA0}" type="datetimeFigureOut">
               <a:rPr lang="en-US" smtClean="0"/>
               <a:pPr/>
-              <a:t>11/22/22</a:t>
+              <a:t>6/26/23</a:t>
             </a:fld>
             <a:endParaRPr lang="en-US"/>
           </a:p>
@@ -820,7 +820,7 @@
             <a:fld id="{F98B4641-DB92-4816-AC0F-FCAE07F9B854}" type="datetimeFigureOut">
               <a:rPr lang="en-US" smtClean="0"/>
               <a:pPr/>
-              <a:t>11/22/22</a:t>
+              <a:t>6/26/23</a:t>
             </a:fld>
             <a:endParaRPr lang="en-US"/>
           </a:p>
@@ -1038,7 +1038,7 @@
             <a:fld id="{F98B4641-DB92-4816-AC0F-FCAE07F9B854}" type="datetimeFigureOut">
               <a:rPr lang="en-US" smtClean="0"/>
               <a:pPr/>
-              <a:t>11/22/22</a:t>
+              <a:t>6/26/23</a:t>
             </a:fld>
             <a:endParaRPr lang="en-US"/>
           </a:p>
@@ -1311,7 +1311,7 @@
             <a:fld id="{F98B4641-DB92-4816-AC0F-FCAE07F9B854}" type="datetimeFigureOut">
               <a:rPr lang="en-US" smtClean="0"/>
               <a:pPr/>
-              <a:t>11/22/22</a:t>
+              <a:t>6/26/23</a:t>
             </a:fld>
             <a:endParaRPr lang="en-US"/>
           </a:p>
@@ -1504,7 +1504,7 @@
             <a:fld id="{F98B4641-DB92-4816-AC0F-FCAE07F9B854}" type="datetimeFigureOut">
               <a:rPr lang="en-US" smtClean="0"/>
               <a:pPr/>
-              <a:t>11/22/22</a:t>
+              <a:t>6/26/23</a:t>
             </a:fld>
             <a:endParaRPr lang="en-US"/>
           </a:p>
@@ -1859,7 +1859,7 @@
             <a:fld id="{F98B4641-DB92-4816-AC0F-FCAE07F9B854}" type="datetimeFigureOut">
               <a:rPr lang="en-US" smtClean="0"/>
               <a:pPr/>
-              <a:t>11/22/22</a:t>
+              <a:t>6/26/23</a:t>
             </a:fld>
             <a:endParaRPr lang="en-US"/>
           </a:p>
@@ -2145,7 +2145,7 @@
             <a:fld id="{F98B4641-DB92-4816-AC0F-FCAE07F9B854}" type="datetimeFigureOut">
               <a:rPr lang="en-US" smtClean="0"/>
               <a:pPr/>
-              <a:t>11/22/22</a:t>
+              <a:t>6/26/23</a:t>
             </a:fld>
             <a:endParaRPr lang="en-US"/>
           </a:p>
@@ -2568,7 +2568,7 @@
             <a:fld id="{F98B4641-DB92-4816-AC0F-FCAE07F9B854}" type="datetimeFigureOut">
               <a:rPr lang="en-US" smtClean="0"/>
               <a:pPr/>
-              <a:t>11/22/22</a:t>
+              <a:t>6/26/23</a:t>
             </a:fld>
             <a:endParaRPr lang="en-US"/>
           </a:p>
@@ -2682,7 +2682,7 @@
             <a:fld id="{F98B4641-DB92-4816-AC0F-FCAE07F9B854}" type="datetimeFigureOut">
               <a:rPr lang="en-US" smtClean="0"/>
               <a:pPr/>
-              <a:t>11/22/22</a:t>
+              <a:t>6/26/23</a:t>
             </a:fld>
             <a:endParaRPr lang="en-US"/>
           </a:p>
@@ -2774,7 +2774,7 @@
             <a:fld id="{F98B4641-DB92-4816-AC0F-FCAE07F9B854}" type="datetimeFigureOut">
               <a:rPr lang="en-US" smtClean="0"/>
               <a:pPr/>
-              <a:t>11/22/22</a:t>
+              <a:t>6/26/23</a:t>
             </a:fld>
             <a:endParaRPr lang="en-US"/>
           </a:p>
@@ -3053,7 +3053,7 @@
             <a:fld id="{F98B4641-DB92-4816-AC0F-FCAE07F9B854}" type="datetimeFigureOut">
               <a:rPr lang="en-US" smtClean="0"/>
               <a:pPr/>
-              <a:t>11/22/22</a:t>
+              <a:t>6/26/23</a:t>
             </a:fld>
             <a:endParaRPr lang="en-US"/>
           </a:p>
@@ -3416,7 +3416,7 @@
             <a:fld id="{F98B4641-DB92-4816-AC0F-FCAE07F9B854}" type="datetimeFigureOut">
               <a:rPr lang="en-US" smtClean="0"/>
               <a:pPr/>
-              <a:t>11/22/22</a:t>
+              <a:t>6/26/23</a:t>
             </a:fld>
             <a:endParaRPr lang="en-US"/>
           </a:p>
@@ -3841,7 +3841,7 @@
             <a:fld id="{F98B4641-DB92-4816-AC0F-FCAE07F9B854}" type="datetimeFigureOut">
               <a:rPr lang="en-US" smtClean="0"/>
               <a:pPr/>
-              <a:t>11/22/22</a:t>
+              <a:t>6/26/23</a:t>
             </a:fld>
             <a:endParaRPr lang="en-US"/>
           </a:p>
@@ -6120,9 +6120,10 @@
           <a:lstStyle/>
           <a:p>
             <a:r>
-              <a:rPr lang="en-MY" dirty="0"/>
+              <a:rPr lang="en-MY"/>
               <a:t>Any Question?</a:t>
             </a:r>
+            <a:endParaRPr lang="en-MY" dirty="0"/>
           </a:p>
           <a:p>
             <a:endParaRPr lang="en-MY" dirty="0"/>
